--- a/수업교제/python_calss1.pptx
+++ b/수업교제/python_calss1.pptx
@@ -288,7 +288,7 @@
             <a:fld id="{87DE6118-2437-4B30-8E3C-4D2BE6020583}" type="datetimeFigureOut">
               <a:rPr lang="en-US" dirty="0"/>
               <a:pPr/>
-              <a:t>3/1/2023</a:t>
+              <a:t>8/3/2023</a:t>
             </a:fld>
             <a:endParaRPr lang="en-US" dirty="0"/>
           </a:p>
@@ -614,7 +614,7 @@
           <a:p>
             <a:fld id="{87DE6118-2437-4B30-8E3C-4D2BE6020583}" type="datetimeFigureOut">
               <a:rPr lang="en-US" dirty="0"/>
-              <a:t>3/1/2023</a:t>
+              <a:t>8/3/2023</a:t>
             </a:fld>
             <a:endParaRPr lang="en-US" dirty="0"/>
           </a:p>
@@ -789,7 +789,7 @@
           <a:p>
             <a:fld id="{87DE6118-2437-4B30-8E3C-4D2BE6020583}" type="datetimeFigureOut">
               <a:rPr lang="en-US" dirty="0"/>
-              <a:t>3/1/2023</a:t>
+              <a:t>8/3/2023</a:t>
             </a:fld>
             <a:endParaRPr lang="en-US" dirty="0"/>
           </a:p>
@@ -954,7 +954,7 @@
           <a:p>
             <a:fld id="{87DE6118-2437-4B30-8E3C-4D2BE6020583}" type="datetimeFigureOut">
               <a:rPr lang="en-US" dirty="0"/>
-              <a:t>3/1/2023</a:t>
+              <a:t>8/3/2023</a:t>
             </a:fld>
             <a:endParaRPr lang="en-US" dirty="0"/>
           </a:p>
@@ -1227,7 +1227,7 @@
             <a:fld id="{87DE6118-2437-4B30-8E3C-4D2BE6020583}" type="datetimeFigureOut">
               <a:rPr lang="en-US" dirty="0"/>
               <a:pPr/>
-              <a:t>3/1/2023</a:t>
+              <a:t>8/3/2023</a:t>
             </a:fld>
             <a:endParaRPr lang="en-US" dirty="0"/>
           </a:p>
@@ -1617,7 +1617,7 @@
           <a:p>
             <a:fld id="{87DE6118-2437-4B30-8E3C-4D2BE6020583}" type="datetimeFigureOut">
               <a:rPr lang="en-US" dirty="0"/>
-              <a:t>3/1/2023</a:t>
+              <a:t>8/3/2023</a:t>
             </a:fld>
             <a:endParaRPr lang="en-US" dirty="0"/>
           </a:p>
@@ -2089,7 +2089,7 @@
           <a:p>
             <a:fld id="{87DE6118-2437-4B30-8E3C-4D2BE6020583}" type="datetimeFigureOut">
               <a:rPr lang="en-US" dirty="0"/>
-              <a:t>3/1/2023</a:t>
+              <a:t>8/3/2023</a:t>
             </a:fld>
             <a:endParaRPr lang="en-US" dirty="0"/>
           </a:p>
@@ -2202,7 +2202,7 @@
           <a:p>
             <a:fld id="{87DE6118-2437-4B30-8E3C-4D2BE6020583}" type="datetimeFigureOut">
               <a:rPr lang="en-US" dirty="0"/>
-              <a:t>3/1/2023</a:t>
+              <a:t>8/3/2023</a:t>
             </a:fld>
             <a:endParaRPr lang="en-US" dirty="0"/>
           </a:p>
@@ -2292,7 +2292,7 @@
           <a:p>
             <a:fld id="{87DE6118-2437-4B30-8E3C-4D2BE6020583}" type="datetimeFigureOut">
               <a:rPr lang="en-US" dirty="0"/>
-              <a:t>3/1/2023</a:t>
+              <a:t>8/3/2023</a:t>
             </a:fld>
             <a:endParaRPr lang="en-US" dirty="0"/>
           </a:p>
@@ -2634,7 +2634,7 @@
             <a:fld id="{87DE6118-2437-4B30-8E3C-4D2BE6020583}" type="datetimeFigureOut">
               <a:rPr lang="en-US" dirty="0"/>
               <a:pPr/>
-              <a:t>3/1/2023</a:t>
+              <a:t>8/3/2023</a:t>
             </a:fld>
             <a:endParaRPr lang="en-US" dirty="0"/>
           </a:p>
@@ -3019,7 +3019,7 @@
             <a:fld id="{87DE6118-2437-4B30-8E3C-4D2BE6020583}" type="datetimeFigureOut">
               <a:rPr lang="en-US" dirty="0"/>
               <a:pPr/>
-              <a:t>3/1/2023</a:t>
+              <a:t>8/3/2023</a:t>
             </a:fld>
             <a:endParaRPr lang="en-US" dirty="0"/>
           </a:p>
@@ -3294,7 +3294,7 @@
             <a:fld id="{87DE6118-2437-4B30-8E3C-4D2BE6020583}" type="datetimeFigureOut">
               <a:rPr lang="en-US" dirty="0"/>
               <a:pPr/>
-              <a:t>3/1/2023</a:t>
+              <a:t>8/3/2023</a:t>
             </a:fld>
             <a:endParaRPr lang="en-US" dirty="0"/>
           </a:p>
@@ -3853,7 +3853,7 @@
         <p:push/>
       </p:transition>
     </mc:Choice>
-    <mc:Fallback xmlns:dsp="http://schemas.microsoft.com/office/drawing/2008/diagram" xmlns:dgm="http://schemas.openxmlformats.org/drawingml/2006/diagram" xmlns:c="http://schemas.openxmlformats.org/drawingml/2006/chart" xmlns="">
+    <mc:Fallback xmlns="" xmlns:c="http://schemas.openxmlformats.org/drawingml/2006/chart" xmlns:dgm="http://schemas.openxmlformats.org/drawingml/2006/diagram" xmlns:dsp="http://schemas.microsoft.com/office/drawing/2008/diagram">
       <p:transition xmlns:mc="http://schemas.openxmlformats.org/markup-compatibility/2006" xmlns:hp="http://schemas.haansoft.com/office/presentation/8.0" spd="med" mc:Ignorable="hp" hp:hslDur="1000">
         <p:fade/>
       </p:transition>
@@ -4038,7 +4038,7 @@
         <p:push/>
       </p:transition>
     </mc:Choice>
-    <mc:Fallback xmlns:dsp="http://schemas.microsoft.com/office/drawing/2008/diagram" xmlns:dgm="http://schemas.openxmlformats.org/drawingml/2006/diagram" xmlns:c="http://schemas.openxmlformats.org/drawingml/2006/chart" xmlns="">
+    <mc:Fallback xmlns="" xmlns:c="http://schemas.openxmlformats.org/drawingml/2006/chart" xmlns:dgm="http://schemas.openxmlformats.org/drawingml/2006/diagram" xmlns:dsp="http://schemas.microsoft.com/office/drawing/2008/diagram">
       <p:transition xmlns:mc="http://schemas.openxmlformats.org/markup-compatibility/2006" xmlns:hp="http://schemas.haansoft.com/office/presentation/8.0" spd="med" mc:Ignorable="hp" hp:hslDur="1000">
         <p:fade/>
       </p:transition>
@@ -4176,7 +4176,7 @@
         <p:push/>
       </p:transition>
     </mc:Choice>
-    <mc:Fallback xmlns:dsp="http://schemas.microsoft.com/office/drawing/2008/diagram" xmlns:dgm="http://schemas.openxmlformats.org/drawingml/2006/diagram" xmlns:c="http://schemas.openxmlformats.org/drawingml/2006/chart" xmlns="">
+    <mc:Fallback xmlns="" xmlns:c="http://schemas.openxmlformats.org/drawingml/2006/chart" xmlns:dgm="http://schemas.openxmlformats.org/drawingml/2006/diagram" xmlns:dsp="http://schemas.microsoft.com/office/drawing/2008/diagram">
       <p:transition xmlns:mc="http://schemas.openxmlformats.org/markup-compatibility/2006" xmlns:hp="http://schemas.haansoft.com/office/presentation/8.0" spd="med" mc:Ignorable="hp" hp:hslDur="1000">
         <p:fade/>
       </p:transition>
@@ -5072,7 +5072,7 @@
         <p:push/>
       </p:transition>
     </mc:Choice>
-    <mc:Fallback xmlns:dsp="http://schemas.microsoft.com/office/drawing/2008/diagram" xmlns:dgm="http://schemas.openxmlformats.org/drawingml/2006/diagram" xmlns:c="http://schemas.openxmlformats.org/drawingml/2006/chart" xmlns="">
+    <mc:Fallback xmlns="" xmlns:c="http://schemas.openxmlformats.org/drawingml/2006/chart" xmlns:dgm="http://schemas.openxmlformats.org/drawingml/2006/diagram" xmlns:dsp="http://schemas.microsoft.com/office/drawing/2008/diagram">
       <p:transition xmlns:mc="http://schemas.openxmlformats.org/markup-compatibility/2006" xmlns:hp="http://schemas.haansoft.com/office/presentation/8.0" spd="med" mc:Ignorable="hp" hp:hslDur="1000">
         <p:fade/>
       </p:transition>
@@ -5734,7 +5734,7 @@
         <p:push/>
       </p:transition>
     </mc:Choice>
-    <mc:Fallback xmlns:dsp="http://schemas.microsoft.com/office/drawing/2008/diagram" xmlns:dgm="http://schemas.openxmlformats.org/drawingml/2006/diagram" xmlns:c="http://schemas.openxmlformats.org/drawingml/2006/chart" xmlns="">
+    <mc:Fallback xmlns="" xmlns:c="http://schemas.openxmlformats.org/drawingml/2006/chart" xmlns:dgm="http://schemas.openxmlformats.org/drawingml/2006/diagram" xmlns:dsp="http://schemas.microsoft.com/office/drawing/2008/diagram">
       <p:transition xmlns:mc="http://schemas.openxmlformats.org/markup-compatibility/2006" xmlns:hp="http://schemas.haansoft.com/office/presentation/8.0" spd="med" mc:Ignorable="hp" hp:hslDur="1000">
         <p:fade/>
       </p:transition>
@@ -6996,12 +6996,12 @@
                     <a:p>
                       <a:pPr algn="ctr" fontAlgn="base" latinLnBrk="0"/>
                       <a:r>
-                        <a:rPr lang="en-US" sz="1100" kern="0">
+                        <a:rPr lang="en-US" sz="1100" kern="0" dirty="0">
                           <a:effectLst/>
                         </a:rPr>
                         <a:t>2500</a:t>
                       </a:r>
-                      <a:endParaRPr lang="ko-KR" sz="1000" kern="100">
+                      <a:endParaRPr lang="ko-KR" sz="1000" kern="100" dirty="0">
                         <a:effectLst/>
                         <a:latin typeface="맑은 고딕" panose="020B0503020000020004" pitchFamily="50" charset="-127"/>
                         <a:ea typeface="맑은 고딕" panose="020B0503020000020004" pitchFamily="50" charset="-127"/>
